--- a/構成図.pptx
+++ b/構成図.pptx
@@ -5437,8 +5437,8 @@
         </p:nvSpPr>
         <p:spPr>
           <a:xfrm>
-            <a:off x="2199640" y="1592580"/>
-            <a:ext cx="4535805" cy="1353820"/>
+            <a:off x="2199640" y="1842135"/>
+            <a:ext cx="4535805" cy="1104265"/>
           </a:xfrm>
           <a:prstGeom prst="rect">
             <a:avLst/>
@@ -5956,7 +5956,7 @@
         </p:blipFill>
         <p:spPr>
           <a:xfrm>
-            <a:off x="2199857" y="1593292"/>
+            <a:off x="2199857" y="1842212"/>
             <a:ext cx="274320" cy="274320"/>
           </a:xfrm>
           <a:prstGeom prst="rect">
@@ -5980,7 +5980,7 @@
         </p:blipFill>
         <p:spPr>
           <a:xfrm>
-            <a:off x="4303395" y="1219835"/>
+            <a:off x="4305300" y="1085850"/>
             <a:ext cx="373380" cy="373380"/>
           </a:xfrm>
           <a:prstGeom prst="rect">
@@ -5996,7 +5996,7 @@
         </p:nvSpPr>
         <p:spPr>
           <a:xfrm>
-            <a:off x="3719830" y="1586865"/>
+            <a:off x="3723005" y="1375410"/>
             <a:ext cx="1539875" cy="274320"/>
           </a:xfrm>
           <a:prstGeom prst="rect">
@@ -6198,7 +6198,7 @@
         </p:blipFill>
         <p:spPr>
           <a:xfrm>
-            <a:off x="4303395" y="1861185"/>
+            <a:off x="4305300" y="1649730"/>
             <a:ext cx="375285" cy="375285"/>
           </a:xfrm>
           <a:prstGeom prst="rect">
@@ -6276,7 +6276,7 @@
         </p:nvSpPr>
         <p:spPr>
           <a:xfrm>
-            <a:off x="4019550" y="2236470"/>
+            <a:off x="4048125" y="2025015"/>
             <a:ext cx="887730" cy="259080"/>
           </a:xfrm>
           <a:prstGeom prst="rect">
@@ -6437,68 +6437,6 @@
                 </a:solidFill>
               </a:rPr>
               <a:t>IAM</a:t>
-            </a:r>
-            <a:endParaRPr lang="en-US" sz="1100" dirty="0">
-              <a:solidFill>
-                <a:srgbClr val="232F3E"/>
-              </a:solidFill>
-            </a:endParaRPr>
-          </a:p>
-        </p:txBody>
-      </p:sp>
-      <p:pic>
-        <p:nvPicPr>
-          <p:cNvPr id="3" name="図形 2" descr="Amazon-S3-Glacier@4x"/>
-          <p:cNvPicPr>
-            <a:picLocks noChangeAspect="1"/>
-          </p:cNvPicPr>
-          <p:nvPr/>
-        </p:nvPicPr>
-        <p:blipFill>
-          <a:blip r:embed="rId14"/>
-          <a:stretch>
-            <a:fillRect/>
-          </a:stretch>
-        </p:blipFill>
-        <p:spPr>
-          <a:xfrm>
-            <a:off x="7418705" y="2495550"/>
-            <a:ext cx="301625" cy="301625"/>
-          </a:xfrm>
-          <a:prstGeom prst="rect">
-            <a:avLst/>
-          </a:prstGeom>
-        </p:spPr>
-      </p:pic>
-      <p:sp>
-        <p:nvSpPr>
-          <p:cNvPr id="10" name="TextBox 21"/>
-          <p:cNvSpPr txBox="1"/>
-          <p:nvPr/>
-        </p:nvSpPr>
-        <p:spPr>
-          <a:xfrm>
-            <a:off x="7619365" y="2538095"/>
-            <a:ext cx="628015" cy="259080"/>
-          </a:xfrm>
-          <a:prstGeom prst="rect">
-            <a:avLst/>
-          </a:prstGeom>
-          <a:noFill/>
-        </p:spPr>
-        <p:txBody>
-          <a:bodyPr wrap="square" rtlCol="0">
-            <a:spAutoFit/>
-          </a:bodyPr>
-          <a:p>
-            <a:pPr algn="ctr"/>
-            <a:r>
-              <a:rPr lang="en-US" sz="1100" dirty="0">
-                <a:solidFill>
-                  <a:srgbClr val="232F3E"/>
-                </a:solidFill>
-              </a:rPr>
-              <a:t>S3</a:t>
             </a:r>
             <a:endParaRPr lang="en-US" sz="1100" dirty="0">
               <a:solidFill>
